--- a/Apresentacao/Checkpoint1/sistema_Ingestao_catalogacao_posts_comentarios.pptx
+++ b/Apresentacao/Checkpoint1/sistema_Ingestao_catalogacao_posts_comentarios.pptx
@@ -32242,7 +32242,7 @@
         </p:nvSpPr>
         <p:spPr>
           <a:xfrm>
-            <a:off x="-630195" y="5909653"/>
+            <a:off x="-741653" y="5687231"/>
             <a:ext cx="8859795" cy="830231"/>
           </a:xfrm>
           <a:prstGeom prst="ellipse">
